--- a/RIMEDIE/Web/InfogFINAL_BaseBanners.pptx
+++ b/RIMEDIE/Web/InfogFINAL_BaseBanners.pptx
@@ -138,7 +138,7 @@
   </p:defaultTextStyle>
   <p:extLst>
     <p:ext uri="{EFAFB233-063F-42B5-8137-9DF3F51BA10A}">
-      <p15:sldGuideLst xmlns:p15="http://schemas.microsoft.com/office/powerpoint/2012/main" xmlns="">
+      <p15:sldGuideLst xmlns="" xmlns:p15="http://schemas.microsoft.com/office/powerpoint/2012/main">
         <p15:guide id="1" orient="horz" pos="2880">
           <p15:clr>
             <a:srgbClr val="A4A3A4"/>
@@ -160,21 +160,21 @@
   <p:cmAuthor id="1" name="Ramsés Vázquez Lira" initials="RVL" lastIdx="12" clrIdx="0">
     <p:extLst>
       <p:ext uri="{19B8F6BF-5375-455C-9EA6-DF929625EA0E}">
-        <p15:presenceInfo xmlns:p15="http://schemas.microsoft.com/office/powerpoint/2012/main" xmlns="" userId="85e0d8638100df29" providerId="Windows Live"/>
+        <p15:presenceInfo xmlns="" xmlns:p15="http://schemas.microsoft.com/office/powerpoint/2012/main" userId="85e0d8638100df29" providerId="Windows Live"/>
       </p:ext>
     </p:extLst>
   </p:cmAuthor>
   <p:cmAuthor id="2" name="RAMSES VAZQUEZ LIRA" initials="RVL" lastIdx="9" clrIdx="1">
     <p:extLst>
       <p:ext uri="{19B8F6BF-5375-455C-9EA6-DF929625EA0E}">
-        <p15:presenceInfo xmlns:p15="http://schemas.microsoft.com/office/powerpoint/2012/main" xmlns="" userId="RAMSES VAZQUEZ LIRA" providerId="None"/>
+        <p15:presenceInfo xmlns="" xmlns:p15="http://schemas.microsoft.com/office/powerpoint/2012/main" userId="RAMSES VAZQUEZ LIRA" providerId="None"/>
       </p:ext>
     </p:extLst>
   </p:cmAuthor>
   <p:cmAuthor id="3" name="Juan Carlos Perez" initials="JCP" lastIdx="27" clrIdx="2">
     <p:extLst>
       <p:ext uri="{19B8F6BF-5375-455C-9EA6-DF929625EA0E}">
-        <p15:presenceInfo xmlns:p15="http://schemas.microsoft.com/office/powerpoint/2012/main" xmlns="" userId="Juan Carlos Perez" providerId="None"/>
+        <p15:presenceInfo xmlns="" xmlns:p15="http://schemas.microsoft.com/office/powerpoint/2012/main" userId="Juan Carlos Perez" providerId="None"/>
       </p:ext>
     </p:extLst>
   </p:cmAuthor>
@@ -188,7 +188,7 @@
     <p:text>Se sugiere subir la "de - en" al segundo renglon</p:text>
     <p:extLst mod="1">
       <p:ext uri="{C676402C-5697-4E1C-873F-D02D1690AC5C}">
-        <p15:threadingInfo xmlns:p15="http://schemas.microsoft.com/office/powerpoint/2012/main" xmlns="" timeZoneBias="360"/>
+        <p15:threadingInfo xmlns="" xmlns:p15="http://schemas.microsoft.com/office/powerpoint/2012/main" timeZoneBias="360"/>
       </p:ext>
     </p:extLst>
   </p:cm>
@@ -197,7 +197,7 @@
     <p:text>Que en el logo la conjunción "e" se coloque antes de innovación como se ve en este logo.</p:text>
     <p:extLst>
       <p:ext uri="{C676402C-5697-4E1C-873F-D02D1690AC5C}">
-        <p15:threadingInfo xmlns:p15="http://schemas.microsoft.com/office/powerpoint/2012/main" xmlns="" timeZoneBias="480"/>
+        <p15:threadingInfo xmlns="" xmlns:p15="http://schemas.microsoft.com/office/powerpoint/2012/main" timeZoneBias="480"/>
       </p:ext>
     </p:extLst>
   </p:cm>
@@ -206,7 +206,7 @@
     <p:text>Va a ser necesario para diferenciar de la siguiente infografía colocar el año de los datos</p:text>
     <p:extLst>
       <p:ext uri="{C676402C-5697-4E1C-873F-D02D1690AC5C}">
-        <p15:threadingInfo xmlns:p15="http://schemas.microsoft.com/office/powerpoint/2012/main" xmlns="" timeZoneBias="480"/>
+        <p15:threadingInfo xmlns="" xmlns:p15="http://schemas.microsoft.com/office/powerpoint/2012/main" timeZoneBias="480"/>
       </p:ext>
     </p:extLst>
   </p:cm>
@@ -220,7 +220,7 @@
     <p:text>Corregir los códigos de las habilidades básicas</p:text>
     <p:extLst>
       <p:ext uri="{C676402C-5697-4E1C-873F-D02D1690AC5C}">
-        <p15:threadingInfo xmlns:p15="http://schemas.microsoft.com/office/powerpoint/2012/main" xmlns="" timeZoneBias="480"/>
+        <p15:threadingInfo xmlns="" xmlns:p15="http://schemas.microsoft.com/office/powerpoint/2012/main" timeZoneBias="480"/>
       </p:ext>
     </p:extLst>
   </p:cm>
@@ -234,7 +234,7 @@
     <p:text>eL TEXTO DE ETSE recuadro se modificó por lo que hay que actualizarlos en la última versión de la infografía</p:text>
     <p:extLst>
       <p:ext uri="{C676402C-5697-4E1C-873F-D02D1690AC5C}">
-        <p15:threadingInfo xmlns:p15="http://schemas.microsoft.com/office/powerpoint/2012/main" xmlns="" timeZoneBias="480"/>
+        <p15:threadingInfo xmlns="" xmlns:p15="http://schemas.microsoft.com/office/powerpoint/2012/main" timeZoneBias="480"/>
       </p:ext>
     </p:extLst>
   </p:cm>
@@ -243,7 +243,7 @@
     <p:text>Hay que colocar el código sin espacios</p:text>
     <p:extLst>
       <p:ext uri="{C676402C-5697-4E1C-873F-D02D1690AC5C}">
-        <p15:threadingInfo xmlns:p15="http://schemas.microsoft.com/office/powerpoint/2012/main" xmlns="" timeZoneBias="480"/>
+        <p15:threadingInfo xmlns="" xmlns:p15="http://schemas.microsoft.com/office/powerpoint/2012/main" timeZoneBias="480"/>
       </p:ext>
     </p:extLst>
   </p:cm>
@@ -257,7 +257,7 @@
     <p:text>Corregir los códigos de las habilidades básicas</p:text>
     <p:extLst>
       <p:ext uri="{C676402C-5697-4E1C-873F-D02D1690AC5C}">
-        <p15:threadingInfo xmlns:p15="http://schemas.microsoft.com/office/powerpoint/2012/main" xmlns="" timeZoneBias="480"/>
+        <p15:threadingInfo xmlns="" xmlns:p15="http://schemas.microsoft.com/office/powerpoint/2012/main" timeZoneBias="480"/>
       </p:ext>
     </p:extLst>
   </p:cm>
@@ -271,7 +271,7 @@
     <p:text>Hay que colocar el código sin espacios</p:text>
     <p:extLst>
       <p:ext uri="{C676402C-5697-4E1C-873F-D02D1690AC5C}">
-        <p15:threadingInfo xmlns:p15="http://schemas.microsoft.com/office/powerpoint/2012/main" xmlns="" timeZoneBias="480"/>
+        <p15:threadingInfo xmlns="" xmlns:p15="http://schemas.microsoft.com/office/powerpoint/2012/main" timeZoneBias="480"/>
       </p:ext>
     </p:extLst>
   </p:cm>
@@ -285,7 +285,7 @@
     <p:text>Utilizar la nueva gama de colores para los 4 criterios de diagnóstico</p:text>
     <p:extLst>
       <p:ext uri="{C676402C-5697-4E1C-873F-D02D1690AC5C}">
-        <p15:threadingInfo xmlns:p15="http://schemas.microsoft.com/office/powerpoint/2012/main" xmlns="" timeZoneBias="480"/>
+        <p15:threadingInfo xmlns="" xmlns:p15="http://schemas.microsoft.com/office/powerpoint/2012/main" timeZoneBias="480"/>
       </p:ext>
     </p:extLst>
   </p:cm>
@@ -299,7 +299,7 @@
     <p:text>Resaltar filas una y una para mejorar la discriminación entre estados</p:text>
     <p:extLst>
       <p:ext uri="{C676402C-5697-4E1C-873F-D02D1690AC5C}">
-        <p15:threadingInfo xmlns:p15="http://schemas.microsoft.com/office/powerpoint/2012/main" xmlns="" timeZoneBias="360"/>
+        <p15:threadingInfo xmlns="" xmlns:p15="http://schemas.microsoft.com/office/powerpoint/2012/main" timeZoneBias="360"/>
       </p:ext>
     </p:extLst>
   </p:cm>
@@ -313,7 +313,7 @@
     <p:text>Colocar links para las referencias... A cada recomendación un ícono.</p:text>
     <p:extLst mod="1">
       <p:ext uri="{C676402C-5697-4E1C-873F-D02D1690AC5C}">
-        <p15:threadingInfo xmlns:p15="http://schemas.microsoft.com/office/powerpoint/2012/main" xmlns="" timeZoneBias="360"/>
+        <p15:threadingInfo xmlns="" xmlns:p15="http://schemas.microsoft.com/office/powerpoint/2012/main" timeZoneBias="360"/>
       </p:ext>
     </p:extLst>
   </p:cm>
@@ -327,7 +327,7 @@
     <p:text>Evaluar propuesta de diseño para títulos de las estrategias.</p:text>
     <p:extLst>
       <p:ext uri="{C676402C-5697-4E1C-873F-D02D1690AC5C}">
-        <p15:threadingInfo xmlns:p15="http://schemas.microsoft.com/office/powerpoint/2012/main" xmlns="" timeZoneBias="480"/>
+        <p15:threadingInfo xmlns="" xmlns:p15="http://schemas.microsoft.com/office/powerpoint/2012/main" timeZoneBias="480"/>
       </p:ext>
     </p:extLst>
   </p:cm>
@@ -350,7 +350,7 @@
     <p:text>Revisar el grado</p:text>
     <p:extLst>
       <p:ext uri="{C676402C-5697-4E1C-873F-D02D1690AC5C}">
-        <p15:threadingInfo xmlns:p15="http://schemas.microsoft.com/office/powerpoint/2012/main" xmlns="" timeZoneBias="480"/>
+        <p15:threadingInfo xmlns="" xmlns:p15="http://schemas.microsoft.com/office/powerpoint/2012/main" timeZoneBias="480"/>
       </p:ext>
     </p:extLst>
   </p:cm>
@@ -364,7 +364,7 @@
     <p:text>Agregar símbolos de los cuatro criterios diagnósticos en la imagen</p:text>
     <p:extLst mod="1">
       <p:ext uri="{C676402C-5697-4E1C-873F-D02D1690AC5C}">
-        <p15:threadingInfo xmlns:p15="http://schemas.microsoft.com/office/powerpoint/2012/main" xmlns="" timeZoneBias="480"/>
+        <p15:threadingInfo xmlns="" xmlns:p15="http://schemas.microsoft.com/office/powerpoint/2012/main" timeZoneBias="480"/>
       </p:ext>
     </p:extLst>
   </p:cm>
@@ -373,7 +373,7 @@
     <p:text>El texto se modificó por lo que hay que actualizarlos en la últimA VERSIÓND E LA INFOGRAFÍA</p:text>
     <p:extLst>
       <p:ext uri="{C676402C-5697-4E1C-873F-D02D1690AC5C}">
-        <p15:threadingInfo xmlns:p15="http://schemas.microsoft.com/office/powerpoint/2012/main" xmlns="" timeZoneBias="480"/>
+        <p15:threadingInfo xmlns="" xmlns:p15="http://schemas.microsoft.com/office/powerpoint/2012/main" timeZoneBias="480"/>
       </p:ext>
     </p:extLst>
   </p:cm>
@@ -400,7 +400,7 @@
     <p:text>eL TEXTO DE ETSE recuadro se modificó por lo que hay que actualizarlos en la última versión de la infografía</p:text>
     <p:extLst>
       <p:ext uri="{C676402C-5697-4E1C-873F-D02D1690AC5C}">
-        <p15:threadingInfo xmlns:p15="http://schemas.microsoft.com/office/powerpoint/2012/main" xmlns="" timeZoneBias="480"/>
+        <p15:threadingInfo xmlns="" xmlns:p15="http://schemas.microsoft.com/office/powerpoint/2012/main" timeZoneBias="480"/>
       </p:ext>
     </p:extLst>
   </p:cm>
@@ -409,7 +409,7 @@
     <p:text>Colocar link</p:text>
     <p:extLst>
       <p:ext uri="{C676402C-5697-4E1C-873F-D02D1690AC5C}">
-        <p15:threadingInfo xmlns:p15="http://schemas.microsoft.com/office/powerpoint/2012/main" xmlns="" timeZoneBias="480"/>
+        <p15:threadingInfo xmlns="" xmlns:p15="http://schemas.microsoft.com/office/powerpoint/2012/main" timeZoneBias="480"/>
       </p:ext>
     </p:extLst>
   </p:cm>
@@ -423,7 +423,7 @@
     <p:text>eL TEXTO DE ETSE recuadro se modificó por lo que hay que actualizarlos en la última versión de la infografía</p:text>
     <p:extLst>
       <p:ext uri="{C676402C-5697-4E1C-873F-D02D1690AC5C}">
-        <p15:threadingInfo xmlns:p15="http://schemas.microsoft.com/office/powerpoint/2012/main" xmlns="" timeZoneBias="480"/>
+        <p15:threadingInfo xmlns="" xmlns:p15="http://schemas.microsoft.com/office/powerpoint/2012/main" timeZoneBias="480"/>
       </p:ext>
     </p:extLst>
   </p:cm>
@@ -437,7 +437,7 @@
     <p:text>eL TEXTO DE ETSE recuadro se modificó por lo que hay que actualizarlos en la última versión de la infografía</p:text>
     <p:extLst>
       <p:ext uri="{C676402C-5697-4E1C-873F-D02D1690AC5C}">
-        <p15:threadingInfo xmlns:p15="http://schemas.microsoft.com/office/powerpoint/2012/main" xmlns="" timeZoneBias="480"/>
+        <p15:threadingInfo xmlns="" xmlns:p15="http://schemas.microsoft.com/office/powerpoint/2012/main" timeZoneBias="480"/>
       </p:ext>
     </p:extLst>
   </p:cm>
@@ -451,7 +451,7 @@
     <p:text>Hay que colocar el código sin espacios</p:text>
     <p:extLst>
       <p:ext uri="{C676402C-5697-4E1C-873F-D02D1690AC5C}">
-        <p15:threadingInfo xmlns:p15="http://schemas.microsoft.com/office/powerpoint/2012/main" xmlns="" timeZoneBias="480"/>
+        <p15:threadingInfo xmlns="" xmlns:p15="http://schemas.microsoft.com/office/powerpoint/2012/main" timeZoneBias="480"/>
       </p:ext>
     </p:extLst>
   </p:cm>
@@ -460,7 +460,7 @@
     <p:text>No utilizar el icono de la tabla, en especial porque no deben usarse símbolos de palomitas o taches.</p:text>
     <p:extLst>
       <p:ext uri="{C676402C-5697-4E1C-873F-D02D1690AC5C}">
-        <p15:threadingInfo xmlns:p15="http://schemas.microsoft.com/office/powerpoint/2012/main" xmlns="" timeZoneBias="480"/>
+        <p15:threadingInfo xmlns="" xmlns:p15="http://schemas.microsoft.com/office/powerpoint/2012/main" timeZoneBias="480"/>
       </p:ext>
     </p:extLst>
   </p:cm>
@@ -469,7 +469,7 @@
     <p:text>eL TEXTO DE ETSE recuadro se modificó por lo que hay que actualizarlos en la última versión de la infografía</p:text>
     <p:extLst>
       <p:ext uri="{C676402C-5697-4E1C-873F-D02D1690AC5C}">
-        <p15:threadingInfo xmlns:p15="http://schemas.microsoft.com/office/powerpoint/2012/main" xmlns="" timeZoneBias="480"/>
+        <p15:threadingInfo xmlns="" xmlns:p15="http://schemas.microsoft.com/office/powerpoint/2012/main" timeZoneBias="480"/>
       </p:ext>
     </p:extLst>
   </p:cm>
@@ -558,7 +558,7 @@
           <a:p>
             <a:fld id="{69C4128E-5B30-42F6-AED3-1E2C1122FB39}" type="datetimeFigureOut">
               <a:rPr lang="es-MX" smtClean="0"/>
-              <a:t>20/03/2019</a:t>
+              <a:t>07/04/2019</a:t>
             </a:fld>
             <a:endParaRPr lang="es-MX"/>
           </a:p>
@@ -1840,7 +1840,7 @@
           <a:p>
             <a:fld id="{1D8BD707-D9CF-40AE-B4C6-C98DA3205C09}" type="datetimeFigureOut">
               <a:rPr lang="en-US"/>
-              <a:t>3/20/2019</a:t>
+              <a:t>4/7/2019</a:t>
             </a:fld>
             <a:endParaRPr lang="en-US"/>
           </a:p>
@@ -2015,7 +2015,7 @@
           <a:p>
             <a:fld id="{1D8BD707-D9CF-40AE-B4C6-C98DA3205C09}" type="datetimeFigureOut">
               <a:rPr lang="en-US"/>
-              <a:t>3/20/2019</a:t>
+              <a:t>4/7/2019</a:t>
             </a:fld>
             <a:endParaRPr lang="en-US"/>
           </a:p>
@@ -2229,7 +2229,7 @@
           <a:p>
             <a:fld id="{1D8BD707-D9CF-40AE-B4C6-C98DA3205C09}" type="datetimeFigureOut">
               <a:rPr lang="en-US"/>
-              <a:t>3/20/2019</a:t>
+              <a:t>4/7/2019</a:t>
             </a:fld>
             <a:endParaRPr lang="en-US"/>
           </a:p>
@@ -2686,7 +2686,7 @@
           <a:p>
             <a:fld id="{1D8BD707-D9CF-40AE-B4C6-C98DA3205C09}" type="datetimeFigureOut">
               <a:rPr lang="en-US"/>
-              <a:t>3/20/2019</a:t>
+              <a:t>4/7/2019</a:t>
             </a:fld>
             <a:endParaRPr lang="en-US"/>
           </a:p>
@@ -2805,7 +2805,7 @@
           <a:p>
             <a:fld id="{1D8BD707-D9CF-40AE-B4C6-C98DA3205C09}" type="datetimeFigureOut">
               <a:rPr lang="en-US"/>
-              <a:t>3/20/2019</a:t>
+              <a:t>4/7/2019</a:t>
             </a:fld>
             <a:endParaRPr lang="en-US"/>
           </a:p>
@@ -3269,7 +3269,7 @@
           <a:p>
             <a:fld id="{1D8BD707-D9CF-40AE-B4C6-C98DA3205C09}" type="datetimeFigureOut">
               <a:rPr lang="en-US"/>
-              <a:t>3/20/2019</a:t>
+              <a:t>4/7/2019</a:t>
             </a:fld>
             <a:endParaRPr lang="en-US"/>
           </a:p>
@@ -3522,7 +3522,7 @@
           <p:cNvPr id="23" name="Título 22">
             <a:extLst>
               <a:ext uri="{FF2B5EF4-FFF2-40B4-BE49-F238E27FC236}">
-                <a16:creationId xmlns:a16="http://schemas.microsoft.com/office/drawing/2014/main" xmlns="" id="{7A3BE87A-E41E-4426-9E9B-32B8BF7CC33F}"/>
+                <a16:creationId xmlns="" xmlns:a16="http://schemas.microsoft.com/office/drawing/2014/main" id="{7A3BE87A-E41E-4426-9E9B-32B8BF7CC33F}"/>
               </a:ext>
             </a:extLst>
           </p:cNvPr>
@@ -8218,7 +8218,7 @@
           <p:cNvPr id="5" name="CuadroTexto 4">
             <a:extLst>
               <a:ext uri="{FF2B5EF4-FFF2-40B4-BE49-F238E27FC236}">
-                <a16:creationId xmlns:a16="http://schemas.microsoft.com/office/drawing/2014/main" xmlns="" id="{9B503875-086F-455B-B8A3-6A396BB4DFD3}"/>
+                <a16:creationId xmlns="" xmlns:a16="http://schemas.microsoft.com/office/drawing/2014/main" id="{9B503875-086F-455B-B8A3-6A396BB4DFD3}"/>
               </a:ext>
             </a:extLst>
           </p:cNvPr>
@@ -8369,7 +8369,7 @@
           <p:cNvPr id="12" name="Imagen 11">
             <a:extLst>
               <a:ext uri="{FF2B5EF4-FFF2-40B4-BE49-F238E27FC236}">
-                <a16:creationId xmlns:a16="http://schemas.microsoft.com/office/drawing/2014/main" xmlns="" id="{2AD23085-634A-4A09-B83B-0FD17703A366}"/>
+                <a16:creationId xmlns="" xmlns:a16="http://schemas.microsoft.com/office/drawing/2014/main" id="{2AD23085-634A-4A09-B83B-0FD17703A366}"/>
               </a:ext>
             </a:extLst>
           </p:cNvPr>
@@ -8424,7 +8424,7 @@
           <p:cNvPr id="4" name="Rectángulo 3">
             <a:extLst>
               <a:ext uri="{FF2B5EF4-FFF2-40B4-BE49-F238E27FC236}">
-                <a16:creationId xmlns:a16="http://schemas.microsoft.com/office/drawing/2014/main" xmlns="" id="{561CC4CC-0E39-4B13-A76E-4509EA9C00DB}"/>
+                <a16:creationId xmlns="" xmlns:a16="http://schemas.microsoft.com/office/drawing/2014/main" id="{561CC4CC-0E39-4B13-A76E-4509EA9C00DB}"/>
               </a:ext>
             </a:extLst>
           </p:cNvPr>
@@ -8677,7 +8677,7 @@
           <p:cNvPr id="3" name="Imagen 2">
             <a:extLst>
               <a:ext uri="{FF2B5EF4-FFF2-40B4-BE49-F238E27FC236}">
-                <a16:creationId xmlns:a16="http://schemas.microsoft.com/office/drawing/2014/main" xmlns="" id="{6B80344F-6945-4891-98A4-C6D41E4090B6}"/>
+                <a16:creationId xmlns="" xmlns:a16="http://schemas.microsoft.com/office/drawing/2014/main" id="{6B80344F-6945-4891-98A4-C6D41E4090B6}"/>
               </a:ext>
             </a:extLst>
           </p:cNvPr>
@@ -8707,7 +8707,7 @@
           <p:cNvPr id="2" name="Rectángulo 1">
             <a:extLst>
               <a:ext uri="{FF2B5EF4-FFF2-40B4-BE49-F238E27FC236}">
-                <a16:creationId xmlns:a16="http://schemas.microsoft.com/office/drawing/2014/main" xmlns="" id="{A94EB503-C2DD-42A6-8028-4393477E8850}"/>
+                <a16:creationId xmlns="" xmlns:a16="http://schemas.microsoft.com/office/drawing/2014/main" id="{A94EB503-C2DD-42A6-8028-4393477E8850}"/>
               </a:ext>
             </a:extLst>
           </p:cNvPr>
@@ -8895,7 +8895,7 @@
           <p:cNvPr id="11" name="Imagen 10">
             <a:extLst>
               <a:ext uri="{FF2B5EF4-FFF2-40B4-BE49-F238E27FC236}">
-                <a16:creationId xmlns:a16="http://schemas.microsoft.com/office/drawing/2014/main" xmlns="" id="{A320AC1D-5C77-443A-828F-7C22C0EFB4AE}"/>
+                <a16:creationId xmlns="" xmlns:a16="http://schemas.microsoft.com/office/drawing/2014/main" id="{A320AC1D-5C77-443A-828F-7C22C0EFB4AE}"/>
               </a:ext>
             </a:extLst>
           </p:cNvPr>
@@ -8973,7 +8973,7 @@
           <p:cNvPr id="2" name="CuadroTexto 1">
             <a:extLst>
               <a:ext uri="{FF2B5EF4-FFF2-40B4-BE49-F238E27FC236}">
-                <a16:creationId xmlns:a16="http://schemas.microsoft.com/office/drawing/2014/main" xmlns="" id="{43D13902-A6AA-425E-98AC-76F3F189335D}"/>
+                <a16:creationId xmlns="" xmlns:a16="http://schemas.microsoft.com/office/drawing/2014/main" id="{43D13902-A6AA-425E-98AC-76F3F189335D}"/>
               </a:ext>
             </a:extLst>
           </p:cNvPr>
@@ -9008,7 +9008,7 @@
           <p:cNvPr id="3" name="Rectángulo 2">
             <a:extLst>
               <a:ext uri="{FF2B5EF4-FFF2-40B4-BE49-F238E27FC236}">
-                <a16:creationId xmlns:a16="http://schemas.microsoft.com/office/drawing/2014/main" xmlns="" id="{94C0DD94-F0F4-4D76-9359-95EFDFB2F579}"/>
+                <a16:creationId xmlns="" xmlns:a16="http://schemas.microsoft.com/office/drawing/2014/main" id="{94C0DD94-F0F4-4D76-9359-95EFDFB2F579}"/>
               </a:ext>
             </a:extLst>
           </p:cNvPr>
@@ -9092,7 +9092,7 @@
           <p:cNvPr id="6" name="CuadroTexto 5">
             <a:extLst>
               <a:ext uri="{FF2B5EF4-FFF2-40B4-BE49-F238E27FC236}">
-                <a16:creationId xmlns:a16="http://schemas.microsoft.com/office/drawing/2014/main" xmlns="" id="{7124DB30-3C41-4B4E-8E04-F767BB842E8A}"/>
+                <a16:creationId xmlns="" xmlns:a16="http://schemas.microsoft.com/office/drawing/2014/main" id="{7124DB30-3C41-4B4E-8E04-F767BB842E8A}"/>
               </a:ext>
             </a:extLst>
           </p:cNvPr>
@@ -9134,7 +9134,7 @@
           <p:cNvPr id="2" name="Imagen 1">
             <a:extLst>
               <a:ext uri="{FF2B5EF4-FFF2-40B4-BE49-F238E27FC236}">
-                <a16:creationId xmlns:a16="http://schemas.microsoft.com/office/drawing/2014/main" xmlns="" id="{C0AC23AA-0500-4FC0-BB7C-E2D672A2D3E5}"/>
+                <a16:creationId xmlns="" xmlns:a16="http://schemas.microsoft.com/office/drawing/2014/main" id="{C0AC23AA-0500-4FC0-BB7C-E2D672A2D3E5}"/>
               </a:ext>
             </a:extLst>
           </p:cNvPr>
@@ -9164,7 +9164,7 @@
           <p:cNvPr id="4" name="Rectángulo 3">
             <a:extLst>
               <a:ext uri="{FF2B5EF4-FFF2-40B4-BE49-F238E27FC236}">
-                <a16:creationId xmlns:a16="http://schemas.microsoft.com/office/drawing/2014/main" xmlns="" id="{A306598F-E7E5-4AB9-A60C-A797E09DE5D3}"/>
+                <a16:creationId xmlns="" xmlns:a16="http://schemas.microsoft.com/office/drawing/2014/main" id="{A306598F-E7E5-4AB9-A60C-A797E09DE5D3}"/>
               </a:ext>
             </a:extLst>
           </p:cNvPr>
@@ -9328,7 +9328,7 @@
           <p:cNvPr id="5" name="Imagen 4">
             <a:extLst>
               <a:ext uri="{FF2B5EF4-FFF2-40B4-BE49-F238E27FC236}">
-                <a16:creationId xmlns:a16="http://schemas.microsoft.com/office/drawing/2014/main" xmlns="" id="{E77C2B71-7C8A-4E34-BAAC-75B4209C1EC0}"/>
+                <a16:creationId xmlns="" xmlns:a16="http://schemas.microsoft.com/office/drawing/2014/main" id="{E77C2B71-7C8A-4E34-BAAC-75B4209C1EC0}"/>
               </a:ext>
             </a:extLst>
           </p:cNvPr>
@@ -9388,7 +9388,7 @@
           <p:cNvPr id="6" name="CuadroTexto 5">
             <a:extLst>
               <a:ext uri="{FF2B5EF4-FFF2-40B4-BE49-F238E27FC236}">
-                <a16:creationId xmlns:a16="http://schemas.microsoft.com/office/drawing/2014/main" xmlns="" id="{3D52B838-1BA5-4E3E-83A6-503923B82675}"/>
+                <a16:creationId xmlns="" xmlns:a16="http://schemas.microsoft.com/office/drawing/2014/main" id="{3D52B838-1BA5-4E3E-83A6-503923B82675}"/>
               </a:ext>
             </a:extLst>
           </p:cNvPr>
@@ -9483,7 +9483,7 @@
           <p:cNvPr id="6" name="CuadroTexto 5">
             <a:extLst>
               <a:ext uri="{FF2B5EF4-FFF2-40B4-BE49-F238E27FC236}">
-                <a16:creationId xmlns:a16="http://schemas.microsoft.com/office/drawing/2014/main" xmlns="" id="{416530A6-B08A-49A4-9295-BBB1121DCF74}"/>
+                <a16:creationId xmlns="" xmlns:a16="http://schemas.microsoft.com/office/drawing/2014/main" id="{416530A6-B08A-49A4-9295-BBB1121DCF74}"/>
               </a:ext>
             </a:extLst>
           </p:cNvPr>
@@ -9518,7 +9518,7 @@
           <p:cNvPr id="2" name="Imagen 1">
             <a:extLst>
               <a:ext uri="{FF2B5EF4-FFF2-40B4-BE49-F238E27FC236}">
-                <a16:creationId xmlns:a16="http://schemas.microsoft.com/office/drawing/2014/main" xmlns="" id="{6F6BDEB6-95A1-4E23-A1DC-2CAFEAD4E6B8}"/>
+                <a16:creationId xmlns="" xmlns:a16="http://schemas.microsoft.com/office/drawing/2014/main" id="{6F6BDEB6-95A1-4E23-A1DC-2CAFEAD4E6B8}"/>
               </a:ext>
             </a:extLst>
           </p:cNvPr>
@@ -9548,7 +9548,7 @@
           <p:cNvPr id="8" name="Rectángulo 7">
             <a:extLst>
               <a:ext uri="{FF2B5EF4-FFF2-40B4-BE49-F238E27FC236}">
-                <a16:creationId xmlns:a16="http://schemas.microsoft.com/office/drawing/2014/main" xmlns="" id="{6B5B830B-C128-4A32-86DA-32B152950FFD}"/>
+                <a16:creationId xmlns="" xmlns:a16="http://schemas.microsoft.com/office/drawing/2014/main" id="{6B5B830B-C128-4A32-86DA-32B152950FFD}"/>
               </a:ext>
             </a:extLst>
           </p:cNvPr>
@@ -9736,7 +9736,7 @@
           <p:cNvPr id="7" name="Imagen 6">
             <a:extLst>
               <a:ext uri="{FF2B5EF4-FFF2-40B4-BE49-F238E27FC236}">
-                <a16:creationId xmlns:a16="http://schemas.microsoft.com/office/drawing/2014/main" xmlns="" id="{67DD75A3-A1B5-41CD-A503-6A8AB4A40AFA}"/>
+                <a16:creationId xmlns="" xmlns:a16="http://schemas.microsoft.com/office/drawing/2014/main" id="{67DD75A3-A1B5-41CD-A503-6A8AB4A40AFA}"/>
               </a:ext>
             </a:extLst>
           </p:cNvPr>
@@ -9791,7 +9791,7 @@
           <p:cNvPr id="9" name="Rectángulo 8">
             <a:extLst>
               <a:ext uri="{FF2B5EF4-FFF2-40B4-BE49-F238E27FC236}">
-                <a16:creationId xmlns:a16="http://schemas.microsoft.com/office/drawing/2014/main" xmlns="" id="{FA2EA78D-1CE8-45B2-9254-8778EC935BE3}"/>
+                <a16:creationId xmlns="" xmlns:a16="http://schemas.microsoft.com/office/drawing/2014/main" id="{FA2EA78D-1CE8-45B2-9254-8778EC935BE3}"/>
               </a:ext>
             </a:extLst>
           </p:cNvPr>
@@ -9885,7 +9885,7 @@
           <p:cNvPr id="2" name="CuadroTexto 1">
             <a:extLst>
               <a:ext uri="{FF2B5EF4-FFF2-40B4-BE49-F238E27FC236}">
-                <a16:creationId xmlns:a16="http://schemas.microsoft.com/office/drawing/2014/main" xmlns="" id="{8747636B-3288-4314-9CF8-E6CDDA13876C}"/>
+                <a16:creationId xmlns="" xmlns:a16="http://schemas.microsoft.com/office/drawing/2014/main" id="{8747636B-3288-4314-9CF8-E6CDDA13876C}"/>
               </a:ext>
             </a:extLst>
           </p:cNvPr>
@@ -9945,7 +9945,7 @@
           <p:cNvPr id="3" name="CuadroTexto 2">
             <a:extLst>
               <a:ext uri="{FF2B5EF4-FFF2-40B4-BE49-F238E27FC236}">
-                <a16:creationId xmlns:a16="http://schemas.microsoft.com/office/drawing/2014/main" xmlns="" id="{F710AE25-06FB-4FC6-9A5C-DBDD85FB029C}"/>
+                <a16:creationId xmlns="" xmlns:a16="http://schemas.microsoft.com/office/drawing/2014/main" id="{F710AE25-06FB-4FC6-9A5C-DBDD85FB029C}"/>
               </a:ext>
             </a:extLst>
           </p:cNvPr>
@@ -10140,7 +10140,7 @@
           <p:cNvPr id="4" name="Rectángulo 3">
             <a:extLst>
               <a:ext uri="{FF2B5EF4-FFF2-40B4-BE49-F238E27FC236}">
-                <a16:creationId xmlns:a16="http://schemas.microsoft.com/office/drawing/2014/main" xmlns="" id="{56326DC7-9E5B-42F7-8C5C-661ECA21C172}"/>
+                <a16:creationId xmlns="" xmlns:a16="http://schemas.microsoft.com/office/drawing/2014/main" id="{56326DC7-9E5B-42F7-8C5C-661ECA21C172}"/>
               </a:ext>
             </a:extLst>
           </p:cNvPr>
@@ -10299,7 +10299,7 @@
           <p:cNvPr id="23" name="Título 22">
             <a:extLst>
               <a:ext uri="{FF2B5EF4-FFF2-40B4-BE49-F238E27FC236}">
-                <a16:creationId xmlns:a16="http://schemas.microsoft.com/office/drawing/2014/main" xmlns="" id="{7A3BE87A-E41E-4426-9E9B-32B8BF7CC33F}"/>
+                <a16:creationId xmlns="" xmlns:a16="http://schemas.microsoft.com/office/drawing/2014/main" id="{7A3BE87A-E41E-4426-9E9B-32B8BF7CC33F}"/>
               </a:ext>
             </a:extLst>
           </p:cNvPr>
@@ -13288,7 +13288,7 @@
           <p:cNvPr id="60" name="Rectángulo: esquinas redondeadas 4">
             <a:extLst>
               <a:ext uri="{FF2B5EF4-FFF2-40B4-BE49-F238E27FC236}">
-                <a16:creationId xmlns:a16="http://schemas.microsoft.com/office/drawing/2014/main" xmlns="" id="{FCB9837B-CE7A-4898-B2E2-207B4A07AA0D}"/>
+                <a16:creationId xmlns="" xmlns:a16="http://schemas.microsoft.com/office/drawing/2014/main" id="{FCB9837B-CE7A-4898-B2E2-207B4A07AA0D}"/>
               </a:ext>
             </a:extLst>
           </p:cNvPr>
@@ -13382,7 +13382,7 @@
           <p:cNvPr id="62" name="Rectángulo: esquinas redondeadas 5">
             <a:extLst>
               <a:ext uri="{FF2B5EF4-FFF2-40B4-BE49-F238E27FC236}">
-                <a16:creationId xmlns:a16="http://schemas.microsoft.com/office/drawing/2014/main" xmlns="" id="{66B917D7-DA70-4956-8946-E6F12563743E}"/>
+                <a16:creationId xmlns="" xmlns:a16="http://schemas.microsoft.com/office/drawing/2014/main" id="{66B917D7-DA70-4956-8946-E6F12563743E}"/>
               </a:ext>
             </a:extLst>
           </p:cNvPr>
@@ -13474,7 +13474,7 @@
           <p:cNvPr id="63" name="Rectángulo: esquinas redondeadas 6">
             <a:extLst>
               <a:ext uri="{FF2B5EF4-FFF2-40B4-BE49-F238E27FC236}">
-                <a16:creationId xmlns:a16="http://schemas.microsoft.com/office/drawing/2014/main" xmlns="" id="{B6398BEB-9D8A-4357-B997-A04A93121239}"/>
+                <a16:creationId xmlns="" xmlns:a16="http://schemas.microsoft.com/office/drawing/2014/main" id="{B6398BEB-9D8A-4357-B997-A04A93121239}"/>
               </a:ext>
             </a:extLst>
           </p:cNvPr>
@@ -13568,7 +13568,7 @@
           <p:cNvPr id="65" name="Rectángulo: esquinas redondeadas 8">
             <a:extLst>
               <a:ext uri="{FF2B5EF4-FFF2-40B4-BE49-F238E27FC236}">
-                <a16:creationId xmlns:a16="http://schemas.microsoft.com/office/drawing/2014/main" xmlns="" id="{6225D99A-08F9-48F9-A885-E0282C95586F}"/>
+                <a16:creationId xmlns="" xmlns:a16="http://schemas.microsoft.com/office/drawing/2014/main" id="{6225D99A-08F9-48F9-A885-E0282C95586F}"/>
               </a:ext>
             </a:extLst>
           </p:cNvPr>
@@ -13662,7 +13662,7 @@
           <p:cNvPr id="66" name="Rectángulo: esquinas redondeadas 9">
             <a:extLst>
               <a:ext uri="{FF2B5EF4-FFF2-40B4-BE49-F238E27FC236}">
-                <a16:creationId xmlns:a16="http://schemas.microsoft.com/office/drawing/2014/main" xmlns="" id="{86362B8B-5CC3-4554-86A6-4F2BCFF9CB9D}"/>
+                <a16:creationId xmlns="" xmlns:a16="http://schemas.microsoft.com/office/drawing/2014/main" id="{86362B8B-5CC3-4554-86A6-4F2BCFF9CB9D}"/>
               </a:ext>
             </a:extLst>
           </p:cNvPr>
@@ -13756,7 +13756,7 @@
           <p:cNvPr id="68" name="Rectángulo: esquinas redondeadas 10">
             <a:extLst>
               <a:ext uri="{FF2B5EF4-FFF2-40B4-BE49-F238E27FC236}">
-                <a16:creationId xmlns:a16="http://schemas.microsoft.com/office/drawing/2014/main" xmlns="" id="{532DB06B-4831-4B16-9381-0514741C3A94}"/>
+                <a16:creationId xmlns="" xmlns:a16="http://schemas.microsoft.com/office/drawing/2014/main" id="{532DB06B-4831-4B16-9381-0514741C3A94}"/>
               </a:ext>
             </a:extLst>
           </p:cNvPr>
@@ -13850,7 +13850,7 @@
           <p:cNvPr id="69" name="Rectángulo: esquinas redondeadas 11">
             <a:extLst>
               <a:ext uri="{FF2B5EF4-FFF2-40B4-BE49-F238E27FC236}">
-                <a16:creationId xmlns:a16="http://schemas.microsoft.com/office/drawing/2014/main" xmlns="" id="{4BFC93F7-B97D-43A3-9F6D-6E7E01610F89}"/>
+                <a16:creationId xmlns="" xmlns:a16="http://schemas.microsoft.com/office/drawing/2014/main" id="{4BFC93F7-B97D-43A3-9F6D-6E7E01610F89}"/>
               </a:ext>
             </a:extLst>
           </p:cNvPr>
@@ -15432,7 +15432,7 @@
           <p:cNvPr id="2" name="Abrir llave 1">
             <a:extLst>
               <a:ext uri="{FF2B5EF4-FFF2-40B4-BE49-F238E27FC236}">
-                <a16:creationId xmlns:a16="http://schemas.microsoft.com/office/drawing/2014/main" xmlns="" id="{2C84C2E4-9986-4C8A-B7EE-775BD988E19E}"/>
+                <a16:creationId xmlns="" xmlns:a16="http://schemas.microsoft.com/office/drawing/2014/main" id="{2C84C2E4-9986-4C8A-B7EE-775BD988E19E}"/>
               </a:ext>
             </a:extLst>
           </p:cNvPr>
@@ -15486,7 +15486,7 @@
           <p:cNvPr id="73" name="Abrir llave 72">
             <a:extLst>
               <a:ext uri="{FF2B5EF4-FFF2-40B4-BE49-F238E27FC236}">
-                <a16:creationId xmlns:a16="http://schemas.microsoft.com/office/drawing/2014/main" xmlns="" id="{8F062DB2-EBAE-48AA-8760-78B0626CA582}"/>
+                <a16:creationId xmlns="" xmlns:a16="http://schemas.microsoft.com/office/drawing/2014/main" id="{8F062DB2-EBAE-48AA-8760-78B0626CA582}"/>
               </a:ext>
             </a:extLst>
           </p:cNvPr>
@@ -15540,7 +15540,7 @@
           <p:cNvPr id="7" name="Conector: curvado 6">
             <a:extLst>
               <a:ext uri="{FF2B5EF4-FFF2-40B4-BE49-F238E27FC236}">
-                <a16:creationId xmlns:a16="http://schemas.microsoft.com/office/drawing/2014/main" xmlns="" id="{19A1B149-BDDC-4673-AE9E-5B31FAC35F7A}"/>
+                <a16:creationId xmlns="" xmlns:a16="http://schemas.microsoft.com/office/drawing/2014/main" id="{19A1B149-BDDC-4673-AE9E-5B31FAC35F7A}"/>
               </a:ext>
             </a:extLst>
           </p:cNvPr>
@@ -15590,7 +15590,7 @@
           <p:cNvPr id="92" name="Rectángulo redondeado 70">
             <a:extLst>
               <a:ext uri="{FF2B5EF4-FFF2-40B4-BE49-F238E27FC236}">
-                <a16:creationId xmlns:a16="http://schemas.microsoft.com/office/drawing/2014/main" xmlns="" id="{0871E589-CC5D-4B08-B3C6-EA166388C16C}"/>
+                <a16:creationId xmlns="" xmlns:a16="http://schemas.microsoft.com/office/drawing/2014/main" id="{0871E589-CC5D-4B08-B3C6-EA166388C16C}"/>
               </a:ext>
             </a:extLst>
           </p:cNvPr>
@@ -15659,7 +15659,7 @@
           <p:cNvPr id="111" name="Abrir llave 110">
             <a:extLst>
               <a:ext uri="{FF2B5EF4-FFF2-40B4-BE49-F238E27FC236}">
-                <a16:creationId xmlns:a16="http://schemas.microsoft.com/office/drawing/2014/main" xmlns="" id="{4003DE1E-9499-426B-B9CF-8E1658E70B91}"/>
+                <a16:creationId xmlns="" xmlns:a16="http://schemas.microsoft.com/office/drawing/2014/main" id="{4003DE1E-9499-426B-B9CF-8E1658E70B91}"/>
               </a:ext>
             </a:extLst>
           </p:cNvPr>
@@ -15713,7 +15713,7 @@
           <p:cNvPr id="112" name="Abrir llave 111">
             <a:extLst>
               <a:ext uri="{FF2B5EF4-FFF2-40B4-BE49-F238E27FC236}">
-                <a16:creationId xmlns:a16="http://schemas.microsoft.com/office/drawing/2014/main" xmlns="" id="{52ABACDE-B1F0-44CB-BE8B-8878FC89D23B}"/>
+                <a16:creationId xmlns="" xmlns:a16="http://schemas.microsoft.com/office/drawing/2014/main" id="{52ABACDE-B1F0-44CB-BE8B-8878FC89D23B}"/>
               </a:ext>
             </a:extLst>
           </p:cNvPr>
@@ -15767,7 +15767,7 @@
           <p:cNvPr id="113" name="Abrir llave 112">
             <a:extLst>
               <a:ext uri="{FF2B5EF4-FFF2-40B4-BE49-F238E27FC236}">
-                <a16:creationId xmlns:a16="http://schemas.microsoft.com/office/drawing/2014/main" xmlns="" id="{D06EBB79-EE41-4180-AB41-7C1401C87DAF}"/>
+                <a16:creationId xmlns="" xmlns:a16="http://schemas.microsoft.com/office/drawing/2014/main" id="{D06EBB79-EE41-4180-AB41-7C1401C87DAF}"/>
               </a:ext>
             </a:extLst>
           </p:cNvPr>
@@ -15899,7 +15899,7 @@
           <p:cNvPr id="4" name="Conector: curvado 3">
             <a:extLst>
               <a:ext uri="{FF2B5EF4-FFF2-40B4-BE49-F238E27FC236}">
-                <a16:creationId xmlns:a16="http://schemas.microsoft.com/office/drawing/2014/main" xmlns="" id="{25EDA523-86D1-4B67-AD4E-3A3B3C66D7DF}"/>
+                <a16:creationId xmlns="" xmlns:a16="http://schemas.microsoft.com/office/drawing/2014/main" id="{25EDA523-86D1-4B67-AD4E-3A3B3C66D7DF}"/>
               </a:ext>
             </a:extLst>
           </p:cNvPr>
@@ -16506,7 +16506,7 @@
           <p:cNvPr id="3" name="CuadroTexto 2">
             <a:extLst>
               <a:ext uri="{FF2B5EF4-FFF2-40B4-BE49-F238E27FC236}">
-                <a16:creationId xmlns:a16="http://schemas.microsoft.com/office/drawing/2014/main" xmlns="" id="{01C8F1F9-D657-4E07-90C1-6DE94B826F09}"/>
+                <a16:creationId xmlns="" xmlns:a16="http://schemas.microsoft.com/office/drawing/2014/main" id="{01C8F1F9-D657-4E07-90C1-6DE94B826F09}"/>
               </a:ext>
             </a:extLst>
           </p:cNvPr>
@@ -16548,7 +16548,7 @@
           <p:cNvPr id="5" name="Imagen 4">
             <a:extLst>
               <a:ext uri="{FF2B5EF4-FFF2-40B4-BE49-F238E27FC236}">
-                <a16:creationId xmlns:a16="http://schemas.microsoft.com/office/drawing/2014/main" xmlns="" id="{B33BCF35-C997-4DF0-B7E5-B5695CD0FE1D}"/>
+                <a16:creationId xmlns="" xmlns:a16="http://schemas.microsoft.com/office/drawing/2014/main" id="{B33BCF35-C997-4DF0-B7E5-B5695CD0FE1D}"/>
               </a:ext>
             </a:extLst>
           </p:cNvPr>
@@ -16578,7 +16578,7 @@
           <p:cNvPr id="9" name="CuadroTexto 8">
             <a:extLst>
               <a:ext uri="{FF2B5EF4-FFF2-40B4-BE49-F238E27FC236}">
-                <a16:creationId xmlns:a16="http://schemas.microsoft.com/office/drawing/2014/main" xmlns="" id="{1312B469-DB4D-497C-9682-B08A31BA5DDE}"/>
+                <a16:creationId xmlns="" xmlns:a16="http://schemas.microsoft.com/office/drawing/2014/main" id="{1312B469-DB4D-497C-9682-B08A31BA5DDE}"/>
               </a:ext>
             </a:extLst>
           </p:cNvPr>
@@ -16793,7 +16793,7 @@
           <p:cNvPr id="7" name="Imagen 6">
             <a:extLst>
               <a:ext uri="{FF2B5EF4-FFF2-40B4-BE49-F238E27FC236}">
-                <a16:creationId xmlns:a16="http://schemas.microsoft.com/office/drawing/2014/main" xmlns="" id="{5F5E72B5-BFC5-41E7-828E-CAD8A87B1147}"/>
+                <a16:creationId xmlns="" xmlns:a16="http://schemas.microsoft.com/office/drawing/2014/main" id="{5F5E72B5-BFC5-41E7-828E-CAD8A87B1147}"/>
               </a:ext>
             </a:extLst>
           </p:cNvPr>
@@ -16853,7 +16853,7 @@
           <p:cNvPr id="11" name="Imagen 10">
             <a:extLst>
               <a:ext uri="{FF2B5EF4-FFF2-40B4-BE49-F238E27FC236}">
-                <a16:creationId xmlns:a16="http://schemas.microsoft.com/office/drawing/2014/main" xmlns="" id="{919EB4D9-1F9A-4230-978D-99B5B619E44C}"/>
+                <a16:creationId xmlns="" xmlns:a16="http://schemas.microsoft.com/office/drawing/2014/main" id="{919EB4D9-1F9A-4230-978D-99B5B619E44C}"/>
               </a:ext>
             </a:extLst>
           </p:cNvPr>
@@ -16883,7 +16883,7 @@
           <p:cNvPr id="12" name="CuadroTexto 11">
             <a:extLst>
               <a:ext uri="{FF2B5EF4-FFF2-40B4-BE49-F238E27FC236}">
-                <a16:creationId xmlns:a16="http://schemas.microsoft.com/office/drawing/2014/main" xmlns="" id="{A624F981-8848-429B-98BD-11D6617D0653}"/>
+                <a16:creationId xmlns="" xmlns:a16="http://schemas.microsoft.com/office/drawing/2014/main" id="{A624F981-8848-429B-98BD-11D6617D0653}"/>
               </a:ext>
             </a:extLst>
           </p:cNvPr>
@@ -16925,7 +16925,7 @@
           <p:cNvPr id="13" name="CuadroTexto 12">
             <a:extLst>
               <a:ext uri="{FF2B5EF4-FFF2-40B4-BE49-F238E27FC236}">
-                <a16:creationId xmlns:a16="http://schemas.microsoft.com/office/drawing/2014/main" xmlns="" id="{37E01496-65F2-4277-9B3E-B31572D9390F}"/>
+                <a16:creationId xmlns="" xmlns:a16="http://schemas.microsoft.com/office/drawing/2014/main" id="{37E01496-65F2-4277-9B3E-B31572D9390F}"/>
               </a:ext>
             </a:extLst>
           </p:cNvPr>
@@ -17129,7 +17129,7 @@
           <p:cNvPr id="4" name="Imagen 3">
             <a:extLst>
               <a:ext uri="{FF2B5EF4-FFF2-40B4-BE49-F238E27FC236}">
-                <a16:creationId xmlns:a16="http://schemas.microsoft.com/office/drawing/2014/main" xmlns="" id="{EB96D3AA-1D28-4DF3-8FFC-636F246D367B}"/>
+                <a16:creationId xmlns="" xmlns:a16="http://schemas.microsoft.com/office/drawing/2014/main" id="{EB96D3AA-1D28-4DF3-8FFC-636F246D367B}"/>
               </a:ext>
             </a:extLst>
           </p:cNvPr>
@@ -17189,7 +17189,7 @@
           <p:cNvPr id="8" name="CuadroTexto 7">
             <a:extLst>
               <a:ext uri="{FF2B5EF4-FFF2-40B4-BE49-F238E27FC236}">
-                <a16:creationId xmlns:a16="http://schemas.microsoft.com/office/drawing/2014/main" xmlns="" id="{A04E3A28-67DD-4110-A0AD-6544F1A18145}"/>
+                <a16:creationId xmlns="" xmlns:a16="http://schemas.microsoft.com/office/drawing/2014/main" id="{A04E3A28-67DD-4110-A0AD-6544F1A18145}"/>
               </a:ext>
             </a:extLst>
           </p:cNvPr>
@@ -17334,7 +17334,7 @@
           <p:cNvPr id="11" name="CuadroTexto 10">
             <a:extLst>
               <a:ext uri="{FF2B5EF4-FFF2-40B4-BE49-F238E27FC236}">
-                <a16:creationId xmlns:a16="http://schemas.microsoft.com/office/drawing/2014/main" xmlns="" id="{B213E1D5-E571-498A-B148-818000B417D7}"/>
+                <a16:creationId xmlns="" xmlns:a16="http://schemas.microsoft.com/office/drawing/2014/main" id="{B213E1D5-E571-498A-B148-818000B417D7}"/>
               </a:ext>
             </a:extLst>
           </p:cNvPr>
@@ -17376,7 +17376,7 @@
           <p:cNvPr id="12" name="Imagen 11">
             <a:extLst>
               <a:ext uri="{FF2B5EF4-FFF2-40B4-BE49-F238E27FC236}">
-                <a16:creationId xmlns:a16="http://schemas.microsoft.com/office/drawing/2014/main" xmlns="" id="{75C36BCA-5952-4F38-A2B9-AB68DA60E1D7}"/>
+                <a16:creationId xmlns="" xmlns:a16="http://schemas.microsoft.com/office/drawing/2014/main" id="{75C36BCA-5952-4F38-A2B9-AB68DA60E1D7}"/>
               </a:ext>
             </a:extLst>
           </p:cNvPr>
@@ -17465,7 +17465,7 @@
           <p:cNvPr id="5" name="Imagen 4">
             <a:extLst>
               <a:ext uri="{FF2B5EF4-FFF2-40B4-BE49-F238E27FC236}">
-                <a16:creationId xmlns:a16="http://schemas.microsoft.com/office/drawing/2014/main" xmlns="" id="{424284AA-F408-4D6A-9E72-C3364463CDB0}"/>
+                <a16:creationId xmlns="" xmlns:a16="http://schemas.microsoft.com/office/drawing/2014/main" id="{424284AA-F408-4D6A-9E72-C3364463CDB0}"/>
               </a:ext>
             </a:extLst>
           </p:cNvPr>
@@ -17525,7 +17525,7 @@
           <p:cNvPr id="9" name="Imagen 8">
             <a:extLst>
               <a:ext uri="{FF2B5EF4-FFF2-40B4-BE49-F238E27FC236}">
-                <a16:creationId xmlns:a16="http://schemas.microsoft.com/office/drawing/2014/main" xmlns="" id="{DD35CC1F-179A-4FC1-B8E9-E21FD3DEADA5}"/>
+                <a16:creationId xmlns="" xmlns:a16="http://schemas.microsoft.com/office/drawing/2014/main" id="{DD35CC1F-179A-4FC1-B8E9-E21FD3DEADA5}"/>
               </a:ext>
             </a:extLst>
           </p:cNvPr>
@@ -17555,7 +17555,7 @@
           <p:cNvPr id="10" name="CuadroTexto 9">
             <a:extLst>
               <a:ext uri="{FF2B5EF4-FFF2-40B4-BE49-F238E27FC236}">
-                <a16:creationId xmlns:a16="http://schemas.microsoft.com/office/drawing/2014/main" xmlns="" id="{690B95D7-1D68-4DE2-ADDF-63DEB03DCE1F}"/>
+                <a16:creationId xmlns="" xmlns:a16="http://schemas.microsoft.com/office/drawing/2014/main" id="{690B95D7-1D68-4DE2-ADDF-63DEB03DCE1F}"/>
               </a:ext>
             </a:extLst>
           </p:cNvPr>
@@ -17697,7 +17697,7 @@
           <p:cNvPr id="11" name="CuadroTexto 10">
             <a:extLst>
               <a:ext uri="{FF2B5EF4-FFF2-40B4-BE49-F238E27FC236}">
-                <a16:creationId xmlns:a16="http://schemas.microsoft.com/office/drawing/2014/main" xmlns="" id="{60EF0A1E-BE07-4654-B859-84B76BE68E57}"/>
+                <a16:creationId xmlns="" xmlns:a16="http://schemas.microsoft.com/office/drawing/2014/main" id="{60EF0A1E-BE07-4654-B859-84B76BE68E57}"/>
               </a:ext>
             </a:extLst>
           </p:cNvPr>
@@ -17798,7 +17798,7 @@
           <p:cNvPr id="5" name="Imagen 4">
             <a:extLst>
               <a:ext uri="{FF2B5EF4-FFF2-40B4-BE49-F238E27FC236}">
-                <a16:creationId xmlns:a16="http://schemas.microsoft.com/office/drawing/2014/main" xmlns="" id="{F439A2FE-709E-41DE-8702-8950314CF4E0}"/>
+                <a16:creationId xmlns="" xmlns:a16="http://schemas.microsoft.com/office/drawing/2014/main" id="{F439A2FE-709E-41DE-8702-8950314CF4E0}"/>
               </a:ext>
             </a:extLst>
           </p:cNvPr>
@@ -17858,7 +17858,7 @@
           <p:cNvPr id="14" name="Título 13">
             <a:extLst>
               <a:ext uri="{FF2B5EF4-FFF2-40B4-BE49-F238E27FC236}">
-                <a16:creationId xmlns:a16="http://schemas.microsoft.com/office/drawing/2014/main" xmlns="" id="{8E4B3089-221D-435E-B8FE-76771BAE8AAB}"/>
+                <a16:creationId xmlns="" xmlns:a16="http://schemas.microsoft.com/office/drawing/2014/main" id="{8E4B3089-221D-435E-B8FE-76771BAE8AAB}"/>
               </a:ext>
             </a:extLst>
           </p:cNvPr>
@@ -17918,7 +17918,7 @@
                 <a:gridCol w="6629400">
                   <a:extLst>
                     <a:ext uri="{9D8B030D-6E8A-4147-A177-3AD203B41FA5}">
-                      <a16:colId xmlns:a16="http://schemas.microsoft.com/office/drawing/2014/main" xmlns="" val="149045635"/>
+                      <a16:colId xmlns="" xmlns:a16="http://schemas.microsoft.com/office/drawing/2014/main" val="149045635"/>
                     </a:ext>
                   </a:extLst>
                 </a:gridCol>
@@ -17981,7 +17981,7 @@
                 </a:tc>
                 <a:extLst>
                   <a:ext uri="{0D108BD9-81ED-4DB2-BD59-A6C34878D82A}">
-                    <a16:rowId xmlns:a16="http://schemas.microsoft.com/office/drawing/2014/main" xmlns="" val="3576530703"/>
+                    <a16:rowId xmlns="" xmlns:a16="http://schemas.microsoft.com/office/drawing/2014/main" val="3576530703"/>
                   </a:ext>
                 </a:extLst>
               </a:tr>
@@ -18038,7 +18038,7 @@
                 </a:tc>
                 <a:extLst>
                   <a:ext uri="{0D108BD9-81ED-4DB2-BD59-A6C34878D82A}">
-                    <a16:rowId xmlns:a16="http://schemas.microsoft.com/office/drawing/2014/main" xmlns="" val="715263647"/>
+                    <a16:rowId xmlns="" xmlns:a16="http://schemas.microsoft.com/office/drawing/2014/main" val="715263647"/>
                   </a:ext>
                 </a:extLst>
               </a:tr>
@@ -18081,7 +18081,7 @@
                 </a:tc>
                 <a:extLst>
                   <a:ext uri="{0D108BD9-81ED-4DB2-BD59-A6C34878D82A}">
-                    <a16:rowId xmlns:a16="http://schemas.microsoft.com/office/drawing/2014/main" xmlns="" val="4109823233"/>
+                    <a16:rowId xmlns="" xmlns:a16="http://schemas.microsoft.com/office/drawing/2014/main" val="4109823233"/>
                   </a:ext>
                 </a:extLst>
               </a:tr>
@@ -18124,7 +18124,7 @@
                 </a:tc>
                 <a:extLst>
                   <a:ext uri="{0D108BD9-81ED-4DB2-BD59-A6C34878D82A}">
-                    <a16:rowId xmlns:a16="http://schemas.microsoft.com/office/drawing/2014/main" xmlns="" val="3194168825"/>
+                    <a16:rowId xmlns="" xmlns:a16="http://schemas.microsoft.com/office/drawing/2014/main" val="3194168825"/>
                   </a:ext>
                 </a:extLst>
               </a:tr>
@@ -18167,7 +18167,7 @@
                 </a:tc>
                 <a:extLst>
                   <a:ext uri="{0D108BD9-81ED-4DB2-BD59-A6C34878D82A}">
-                    <a16:rowId xmlns:a16="http://schemas.microsoft.com/office/drawing/2014/main" xmlns="" val="4287354709"/>
+                    <a16:rowId xmlns="" xmlns:a16="http://schemas.microsoft.com/office/drawing/2014/main" val="4287354709"/>
                   </a:ext>
                 </a:extLst>
               </a:tr>
@@ -18210,7 +18210,7 @@
                 </a:tc>
                 <a:extLst>
                   <a:ext uri="{0D108BD9-81ED-4DB2-BD59-A6C34878D82A}">
-                    <a16:rowId xmlns:a16="http://schemas.microsoft.com/office/drawing/2014/main" xmlns="" val="1829587117"/>
+                    <a16:rowId xmlns="" xmlns:a16="http://schemas.microsoft.com/office/drawing/2014/main" val="1829587117"/>
                   </a:ext>
                 </a:extLst>
               </a:tr>
@@ -18276,49 +18276,49 @@
                 <a:gridCol w="5052062">
                   <a:extLst>
                     <a:ext uri="{9D8B030D-6E8A-4147-A177-3AD203B41FA5}">
-                      <a16:colId xmlns:a16="http://schemas.microsoft.com/office/drawing/2014/main" xmlns="" val="2164620422"/>
+                      <a16:colId xmlns="" xmlns:a16="http://schemas.microsoft.com/office/drawing/2014/main" val="2164620422"/>
                     </a:ext>
                   </a:extLst>
                 </a:gridCol>
                 <a:gridCol w="668655">
                   <a:extLst>
                     <a:ext uri="{9D8B030D-6E8A-4147-A177-3AD203B41FA5}">
-                      <a16:colId xmlns:a16="http://schemas.microsoft.com/office/drawing/2014/main" xmlns="" val="3240994770"/>
+                      <a16:colId xmlns="" xmlns:a16="http://schemas.microsoft.com/office/drawing/2014/main" val="3240994770"/>
                     </a:ext>
                   </a:extLst>
                 </a:gridCol>
                 <a:gridCol w="817245">
                   <a:extLst>
                     <a:ext uri="{9D8B030D-6E8A-4147-A177-3AD203B41FA5}">
-                      <a16:colId xmlns:a16="http://schemas.microsoft.com/office/drawing/2014/main" xmlns="" val="57962443"/>
+                      <a16:colId xmlns="" xmlns:a16="http://schemas.microsoft.com/office/drawing/2014/main" val="57962443"/>
                     </a:ext>
                   </a:extLst>
                 </a:gridCol>
                 <a:gridCol w="520065">
                   <a:extLst>
                     <a:ext uri="{9D8B030D-6E8A-4147-A177-3AD203B41FA5}">
-                      <a16:colId xmlns:a16="http://schemas.microsoft.com/office/drawing/2014/main" xmlns="" val="3502598217"/>
+                      <a16:colId xmlns="" xmlns:a16="http://schemas.microsoft.com/office/drawing/2014/main" val="3502598217"/>
                     </a:ext>
                   </a:extLst>
                 </a:gridCol>
                 <a:gridCol w="668655">
                   <a:extLst>
                     <a:ext uri="{9D8B030D-6E8A-4147-A177-3AD203B41FA5}">
-                      <a16:colId xmlns:a16="http://schemas.microsoft.com/office/drawing/2014/main" xmlns="" val="3141607866"/>
+                      <a16:colId xmlns="" xmlns:a16="http://schemas.microsoft.com/office/drawing/2014/main" val="3141607866"/>
                     </a:ext>
                   </a:extLst>
                 </a:gridCol>
                 <a:gridCol w="520065">
                   <a:extLst>
                     <a:ext uri="{9D8B030D-6E8A-4147-A177-3AD203B41FA5}">
-                      <a16:colId xmlns:a16="http://schemas.microsoft.com/office/drawing/2014/main" xmlns="" val="1526118363"/>
+                      <a16:colId xmlns="" xmlns:a16="http://schemas.microsoft.com/office/drawing/2014/main" val="1526118363"/>
                     </a:ext>
                   </a:extLst>
                 </a:gridCol>
                 <a:gridCol w="668652">
                   <a:extLst>
                     <a:ext uri="{9D8B030D-6E8A-4147-A177-3AD203B41FA5}">
-                      <a16:colId xmlns:a16="http://schemas.microsoft.com/office/drawing/2014/main" xmlns="" val="2444384038"/>
+                      <a16:colId xmlns="" xmlns:a16="http://schemas.microsoft.com/office/drawing/2014/main" val="2444384038"/>
                     </a:ext>
                   </a:extLst>
                 </a:gridCol>
@@ -18607,7 +18607,7 @@
                 </a:tc>
                 <a:extLst>
                   <a:ext uri="{0D108BD9-81ED-4DB2-BD59-A6C34878D82A}">
-                    <a16:rowId xmlns:a16="http://schemas.microsoft.com/office/drawing/2014/main" xmlns="" val="3650646737"/>
+                    <a16:rowId xmlns="" xmlns:a16="http://schemas.microsoft.com/office/drawing/2014/main" val="3650646737"/>
                   </a:ext>
                 </a:extLst>
               </a:tr>
@@ -18817,7 +18817,7 @@
                 </a:tc>
                 <a:extLst>
                   <a:ext uri="{0D108BD9-81ED-4DB2-BD59-A6C34878D82A}">
-                    <a16:rowId xmlns:a16="http://schemas.microsoft.com/office/drawing/2014/main" xmlns="" val="457429006"/>
+                    <a16:rowId xmlns="" xmlns:a16="http://schemas.microsoft.com/office/drawing/2014/main" val="457429006"/>
                   </a:ext>
                 </a:extLst>
               </a:tr>
@@ -19063,7 +19063,7 @@
                 </a:tc>
                 <a:extLst>
                   <a:ext uri="{0D108BD9-81ED-4DB2-BD59-A6C34878D82A}">
-                    <a16:rowId xmlns:a16="http://schemas.microsoft.com/office/drawing/2014/main" xmlns="" val="1481629277"/>
+                    <a16:rowId xmlns="" xmlns:a16="http://schemas.microsoft.com/office/drawing/2014/main" val="1481629277"/>
                   </a:ext>
                 </a:extLst>
               </a:tr>
@@ -19272,7 +19272,7 @@
                 </a:tc>
                 <a:extLst>
                   <a:ext uri="{0D108BD9-81ED-4DB2-BD59-A6C34878D82A}">
-                    <a16:rowId xmlns:a16="http://schemas.microsoft.com/office/drawing/2014/main" xmlns="" val="1725619344"/>
+                    <a16:rowId xmlns="" xmlns:a16="http://schemas.microsoft.com/office/drawing/2014/main" val="1725619344"/>
                   </a:ext>
                 </a:extLst>
               </a:tr>
@@ -19496,7 +19496,7 @@
                 </a:tc>
                 <a:extLst>
                   <a:ext uri="{0D108BD9-81ED-4DB2-BD59-A6C34878D82A}">
-                    <a16:rowId xmlns:a16="http://schemas.microsoft.com/office/drawing/2014/main" xmlns="" val="3742575390"/>
+                    <a16:rowId xmlns="" xmlns:a16="http://schemas.microsoft.com/office/drawing/2014/main" val="3742575390"/>
                   </a:ext>
                 </a:extLst>
               </a:tr>
@@ -19680,7 +19680,7 @@
                 </a:tc>
                 <a:extLst>
                   <a:ext uri="{0D108BD9-81ED-4DB2-BD59-A6C34878D82A}">
-                    <a16:rowId xmlns:a16="http://schemas.microsoft.com/office/drawing/2014/main" xmlns="" val="3794645915"/>
+                    <a16:rowId xmlns="" xmlns:a16="http://schemas.microsoft.com/office/drawing/2014/main" val="3794645915"/>
                   </a:ext>
                 </a:extLst>
               </a:tr>
@@ -19939,7 +19939,7 @@
                 </a:tc>
                 <a:extLst>
                   <a:ext uri="{0D108BD9-81ED-4DB2-BD59-A6C34878D82A}">
-                    <a16:rowId xmlns:a16="http://schemas.microsoft.com/office/drawing/2014/main" xmlns="" val="1787360728"/>
+                    <a16:rowId xmlns="" xmlns:a16="http://schemas.microsoft.com/office/drawing/2014/main" val="1787360728"/>
                   </a:ext>
                 </a:extLst>
               </a:tr>
@@ -20148,7 +20148,7 @@
                 </a:tc>
                 <a:extLst>
                   <a:ext uri="{0D108BD9-81ED-4DB2-BD59-A6C34878D82A}">
-                    <a16:rowId xmlns:a16="http://schemas.microsoft.com/office/drawing/2014/main" xmlns="" val="971619629"/>
+                    <a16:rowId xmlns="" xmlns:a16="http://schemas.microsoft.com/office/drawing/2014/main" val="971619629"/>
                   </a:ext>
                 </a:extLst>
               </a:tr>
@@ -20369,7 +20369,7 @@
                 </a:tc>
                 <a:extLst>
                   <a:ext uri="{0D108BD9-81ED-4DB2-BD59-A6C34878D82A}">
-                    <a16:rowId xmlns:a16="http://schemas.microsoft.com/office/drawing/2014/main" xmlns="" val="3050245399"/>
+                    <a16:rowId xmlns="" xmlns:a16="http://schemas.microsoft.com/office/drawing/2014/main" val="3050245399"/>
                   </a:ext>
                 </a:extLst>
               </a:tr>
@@ -20528,7 +20528,7 @@
                 </a:tc>
                 <a:extLst>
                   <a:ext uri="{0D108BD9-81ED-4DB2-BD59-A6C34878D82A}">
-                    <a16:rowId xmlns:a16="http://schemas.microsoft.com/office/drawing/2014/main" xmlns="" val="1028572984"/>
+                    <a16:rowId xmlns="" xmlns:a16="http://schemas.microsoft.com/office/drawing/2014/main" val="1028572984"/>
                   </a:ext>
                 </a:extLst>
               </a:tr>
@@ -20712,7 +20712,7 @@
                 </a:tc>
                 <a:extLst>
                   <a:ext uri="{0D108BD9-81ED-4DB2-BD59-A6C34878D82A}">
-                    <a16:rowId xmlns:a16="http://schemas.microsoft.com/office/drawing/2014/main" xmlns="" val="2923568274"/>
+                    <a16:rowId xmlns="" xmlns:a16="http://schemas.microsoft.com/office/drawing/2014/main" val="2923568274"/>
                   </a:ext>
                 </a:extLst>
               </a:tr>
@@ -20896,7 +20896,7 @@
                 </a:tc>
                 <a:extLst>
                   <a:ext uri="{0D108BD9-81ED-4DB2-BD59-A6C34878D82A}">
-                    <a16:rowId xmlns:a16="http://schemas.microsoft.com/office/drawing/2014/main" xmlns="" val="494669909"/>
+                    <a16:rowId xmlns="" xmlns:a16="http://schemas.microsoft.com/office/drawing/2014/main" val="494669909"/>
                   </a:ext>
                 </a:extLst>
               </a:tr>
@@ -21120,7 +21120,7 @@
                 </a:tc>
                 <a:extLst>
                   <a:ext uri="{0D108BD9-81ED-4DB2-BD59-A6C34878D82A}">
-                    <a16:rowId xmlns:a16="http://schemas.microsoft.com/office/drawing/2014/main" xmlns="" val="1536457289"/>
+                    <a16:rowId xmlns="" xmlns:a16="http://schemas.microsoft.com/office/drawing/2014/main" val="1536457289"/>
                   </a:ext>
                 </a:extLst>
               </a:tr>
@@ -21163,7 +21163,7 @@
           <p:cNvPr id="3" name="Marcador de texto 2">
             <a:extLst>
               <a:ext uri="{FF2B5EF4-FFF2-40B4-BE49-F238E27FC236}">
-                <a16:creationId xmlns:a16="http://schemas.microsoft.com/office/drawing/2014/main" xmlns="" id="{F4A88F63-BDBD-44A0-938E-894D63FEF457}"/>
+                <a16:creationId xmlns="" xmlns:a16="http://schemas.microsoft.com/office/drawing/2014/main" id="{F4A88F63-BDBD-44A0-938E-894D63FEF457}"/>
               </a:ext>
             </a:extLst>
           </p:cNvPr>
@@ -21467,7 +21467,7 @@
           <p:cNvPr id="4" name="Título 1">
             <a:extLst>
               <a:ext uri="{FF2B5EF4-FFF2-40B4-BE49-F238E27FC236}">
-                <a16:creationId xmlns:a16="http://schemas.microsoft.com/office/drawing/2014/main" xmlns="" id="{9381681F-5A38-422A-BEBE-AD064827242B}"/>
+                <a16:creationId xmlns="" xmlns:a16="http://schemas.microsoft.com/office/drawing/2014/main" id="{9381681F-5A38-422A-BEBE-AD064827242B}"/>
               </a:ext>
             </a:extLst>
           </p:cNvPr>
@@ -21536,7 +21536,7 @@
           <p:cNvPr id="2" name="Título 1">
             <a:extLst>
               <a:ext uri="{FF2B5EF4-FFF2-40B4-BE49-F238E27FC236}">
-                <a16:creationId xmlns:a16="http://schemas.microsoft.com/office/drawing/2014/main" xmlns="" id="{9381681F-5A38-422A-BEBE-AD064827242B}"/>
+                <a16:creationId xmlns="" xmlns:a16="http://schemas.microsoft.com/office/drawing/2014/main" id="{9381681F-5A38-422A-BEBE-AD064827242B}"/>
               </a:ext>
             </a:extLst>
           </p:cNvPr>
@@ -21575,7 +21575,7 @@
           <p:cNvPr id="3" name="Marcador de texto 2">
             <a:extLst>
               <a:ext uri="{FF2B5EF4-FFF2-40B4-BE49-F238E27FC236}">
-                <a16:creationId xmlns:a16="http://schemas.microsoft.com/office/drawing/2014/main" xmlns="" id="{D4895C16-9E4F-4758-B930-389D07FB6B1D}"/>
+                <a16:creationId xmlns="" xmlns:a16="http://schemas.microsoft.com/office/drawing/2014/main" id="{D4895C16-9E4F-4758-B930-389D07FB6B1D}"/>
               </a:ext>
             </a:extLst>
           </p:cNvPr>
@@ -22200,7 +22200,7 @@
         </p:blipFill>
         <p:spPr bwMode="auto">
           <a:xfrm>
-            <a:off x="690563" y="933450"/>
+            <a:off x="609599" y="999510"/>
             <a:ext cx="8639175" cy="2952750"/>
           </a:xfrm>
           <a:prstGeom prst="rect">
@@ -22241,6 +22241,60 @@
           </a:extLst>
         </p:spPr>
       </p:pic>
+      <p:sp>
+        <p:nvSpPr>
+          <p:cNvPr id="3" name="2 CuadroTexto"/>
+          <p:cNvSpPr txBox="1"/>
+          <p:nvPr/>
+        </p:nvSpPr>
+        <p:spPr>
+          <a:xfrm rot="19843791">
+            <a:off x="5867400" y="1851402"/>
+            <a:ext cx="3028950" cy="861774"/>
+          </a:xfrm>
+          <a:prstGeom prst="rect">
+            <a:avLst/>
+          </a:prstGeom>
+          <a:solidFill>
+            <a:schemeClr val="accent6">
+              <a:lumMod val="20000"/>
+              <a:lumOff val="80000"/>
+              <a:alpha val="53000"/>
+            </a:schemeClr>
+          </a:solidFill>
+          <a:ln>
+            <a:solidFill>
+              <a:schemeClr val="tx1"/>
+            </a:solidFill>
+          </a:ln>
+        </p:spPr>
+        <p:txBody>
+          <a:bodyPr wrap="square" rtlCol="0">
+            <a:spAutoFit/>
+          </a:bodyPr>
+          <a:lstStyle/>
+          <a:p>
+            <a:pPr algn="ctr"/>
+            <a:r>
+              <a:rPr lang="es-MX" sz="2500" b="1" dirty="0" smtClean="0">
+                <a:solidFill>
+                  <a:schemeClr val="accent6">
+                    <a:lumMod val="50000"/>
+                  </a:schemeClr>
+                </a:solidFill>
+              </a:rPr>
+              <a:t>¡Descarga el Reporte Breve!</a:t>
+            </a:r>
+            <a:endParaRPr lang="es-MX" sz="2500" b="1" dirty="0">
+              <a:solidFill>
+                <a:schemeClr val="accent6">
+                  <a:lumMod val="50000"/>
+                </a:schemeClr>
+              </a:solidFill>
+            </a:endParaRPr>
+          </a:p>
+        </p:txBody>
+      </p:sp>
     </p:spTree>
     <p:extLst>
       <p:ext uri="{BB962C8B-B14F-4D97-AF65-F5344CB8AC3E}">
@@ -31628,7 +31682,7 @@
   <a:extraClrSchemeLst/>
   <a:extLst>
     <a:ext uri="{05A4C25C-085E-4340-85A3-A5531E510DB2}">
-      <thm15:themeFamily xmlns:thm15="http://schemas.microsoft.com/office/thememl/2012/main" xmlns="" name="Office Theme" id="{62F939B6-93AF-4DB8-9C6B-D6C7DFDC589F}" vid="{4A3C46E8-61CC-4603-A589-7422A47A8E4A}"/>
+      <thm15:themeFamily xmlns="" xmlns:thm15="http://schemas.microsoft.com/office/thememl/2012/main" name="Office Theme" id="{62F939B6-93AF-4DB8-9C6B-D6C7DFDC589F}" vid="{4A3C46E8-61CC-4603-A589-7422A47A8E4A}"/>
     </a:ext>
   </a:extLst>
 </a:theme>
